--- a/Slides de Apresentação/Armário Auto..pptx
+++ b/Slides de Apresentação/Armário Auto..pptx
@@ -4415,7 +4415,7 @@
         <p:spPr>
           <a:xfrm rot="0">
             <a:off x="2929702" y="2334687"/>
-            <a:ext cx="12428597" cy="2816224"/>
+            <a:ext cx="12428597" cy="2463799"/>
           </a:xfrm>
           <a:prstGeom prst="rect">
             <a:avLst/>
@@ -4567,37 +4567,6 @@
                 <a:sym typeface="Questrial"/>
               </a:rPr>
               <a:t>Hytalo Pereira de Lima</a:t>
-            </a:r>
-          </a:p>
-          <a:p>
-            <a:pPr algn="ctr">
-              <a:lnSpc>
-                <a:spcPts val="2800"/>
-              </a:lnSpc>
-            </a:pPr>
-            <a:r>
-              <a:rPr lang="en-US" sz="2000">
-                <a:solidFill>
-                  <a:srgbClr val="494F56"/>
-                </a:solidFill>
-                <a:latin typeface="Questrial"/>
-                <a:ea typeface="Questrial"/>
-                <a:cs typeface="Questrial"/>
-                <a:sym typeface="Questrial"/>
-              </a:rPr>
-              <a:t>• </a:t>
-            </a:r>
-            <a:r>
-              <a:rPr lang="en-US" sz="2000">
-                <a:solidFill>
-                  <a:srgbClr val="494F56"/>
-                </a:solidFill>
-                <a:latin typeface="Questrial"/>
-                <a:ea typeface="Questrial"/>
-                <a:cs typeface="Questrial"/>
-                <a:sym typeface="Questrial"/>
-              </a:rPr>
-              <a:t>Aeverton Cassiano de Andrade</a:t>
             </a:r>
           </a:p>
           <a:p>
